--- a/Präsentationen/E-Commerce PPT3.pptx
+++ b/Präsentationen/E-Commerce PPT3.pptx
@@ -221,7 +221,7 @@
           <a:p>
             <a:fld id="{E574AC39-44E6-425E-AF49-CF7D189F346F}" type="datetimeFigureOut">
               <a:rPr lang="de-DE" smtClean="0"/>
-              <a:t>13.12.2016</a:t>
+              <a:t>14.12.2016</a:t>
             </a:fld>
             <a:endParaRPr lang="de-DE" dirty="0"/>
           </a:p>
@@ -386,7 +386,7 @@
           <a:p>
             <a:fld id="{DF2775BC-6312-42C7-B7C5-EA6783C2D9CA}" type="datetimeFigureOut">
               <a:rPr lang="de-DE" smtClean="0"/>
-              <a:t>13.12.2016</a:t>
+              <a:t>14.12.2016</a:t>
             </a:fld>
             <a:endParaRPr lang="de-DE" dirty="0"/>
           </a:p>
@@ -836,7 +836,7 @@
           <a:p>
             <a:fld id="{0E2459ED-2370-4512-8277-79A22669B8D6}" type="datetime1">
               <a:rPr lang="de-DE" noProof="0" smtClean="0"/>
-              <a:t>13.12.2016</a:t>
+              <a:t>14.12.2016</a:t>
             </a:fld>
             <a:endParaRPr lang="de-DE" noProof="0" dirty="0"/>
           </a:p>
@@ -1111,7 +1111,7 @@
           <a:p>
             <a:fld id="{38DE7AAF-E80A-47DF-AD20-A0CACA3A1EA7}" type="datetime1">
               <a:rPr lang="de-DE" smtClean="0"/>
-              <a:t>13.12.2016</a:t>
+              <a:t>14.12.2016</a:t>
             </a:fld>
             <a:endParaRPr lang="de-DE" dirty="0"/>
           </a:p>
@@ -1238,7 +1238,7 @@
           <a:p>
             <a:fld id="{605C11FD-C292-46E1-886D-52261ECFA5D9}" type="datetime1">
               <a:rPr lang="de-DE" smtClean="0"/>
-              <a:t>13.12.2016</a:t>
+              <a:t>14.12.2016</a:t>
             </a:fld>
             <a:endParaRPr lang="de-DE" dirty="0"/>
           </a:p>
@@ -1432,7 +1432,7 @@
           <a:p>
             <a:fld id="{4ED698D1-3BF4-4179-9A99-9F892E96C7E8}" type="datetime1">
               <a:rPr lang="de-DE" smtClean="0"/>
-              <a:t>13.12.2016</a:t>
+              <a:t>14.12.2016</a:t>
             </a:fld>
             <a:endParaRPr lang="de-DE" dirty="0"/>
           </a:p>
@@ -1925,7 +1925,7 @@
           <a:p>
             <a:fld id="{843C680B-1EB8-4A0F-96EC-B218F12607DC}" type="datetime1">
               <a:rPr lang="de-DE" smtClean="0"/>
-              <a:t>13.12.2016</a:t>
+              <a:t>14.12.2016</a:t>
             </a:fld>
             <a:endParaRPr lang="de-DE" dirty="0"/>
           </a:p>
@@ -2052,7 +2052,7 @@
           <a:p>
             <a:fld id="{F7CC77D5-3C94-4870-AE58-9551CD4B17D0}" type="datetime1">
               <a:rPr lang="de-DE" smtClean="0"/>
-              <a:t>13.12.2016</a:t>
+              <a:t>14.12.2016</a:t>
             </a:fld>
             <a:endParaRPr lang="de-DE" dirty="0"/>
           </a:p>
@@ -2361,7 +2361,7 @@
           <a:p>
             <a:fld id="{4A2E7E42-2798-4D9A-AD31-4A3BB06945A5}" type="datetime1">
               <a:rPr lang="de-DE" smtClean="0"/>
-              <a:t>13.12.2016</a:t>
+              <a:t>14.12.2016</a:t>
             </a:fld>
             <a:endParaRPr lang="de-DE" dirty="0"/>
           </a:p>
@@ -3112,7 +3112,7 @@
           <a:p>
             <a:fld id="{0399F0FF-12F9-455E-9E12-8CECBACB0AB6}" type="datetime1">
               <a:rPr lang="de-DE" smtClean="0"/>
-              <a:t>13.12.2016</a:t>
+              <a:t>14.12.2016</a:t>
             </a:fld>
             <a:endParaRPr lang="de-DE" dirty="0"/>
           </a:p>
@@ -3959,7 +3959,7 @@
           <a:p>
             <a:fld id="{EAEF7A8C-5437-439A-A495-947AAC73C6C9}" type="datetime1">
               <a:rPr lang="de-DE" smtClean="0"/>
-              <a:t>13.12.2016</a:t>
+              <a:t>14.12.2016</a:t>
             </a:fld>
             <a:endParaRPr lang="de-DE" dirty="0"/>
           </a:p>
@@ -4129,7 +4129,7 @@
           <a:p>
             <a:fld id="{5744D5F2-11D9-4B5A-950D-88F0EFC67276}" type="datetime1">
               <a:rPr lang="de-DE" smtClean="0"/>
-              <a:t>13.12.2016</a:t>
+              <a:t>14.12.2016</a:t>
             </a:fld>
             <a:endParaRPr lang="de-DE" dirty="0"/>
           </a:p>
@@ -4309,7 +4309,7 @@
           <a:p>
             <a:fld id="{BE6D1779-15F2-43F2-91EA-3C7C1F4F540C}" type="datetime1">
               <a:rPr lang="de-DE" smtClean="0"/>
-              <a:t>13.12.2016</a:t>
+              <a:t>14.12.2016</a:t>
             </a:fld>
             <a:endParaRPr lang="de-DE" dirty="0"/>
           </a:p>
@@ -4479,7 +4479,7 @@
           <a:p>
             <a:fld id="{292FF70E-09F6-47FA-BCA8-56D13FDC29F4}" type="datetime1">
               <a:rPr lang="de-DE" noProof="0" smtClean="0"/>
-              <a:t>13.12.2016</a:t>
+              <a:t>14.12.2016</a:t>
             </a:fld>
             <a:endParaRPr lang="de-DE" noProof="0" dirty="0"/>
           </a:p>
@@ -4723,7 +4723,7 @@
           <a:p>
             <a:fld id="{AC12EB9B-A7BF-4C66-AC53-3047886A6D09}" type="datetime1">
               <a:rPr lang="de-DE" smtClean="0"/>
-              <a:t>13.12.2016</a:t>
+              <a:t>14.12.2016</a:t>
             </a:fld>
             <a:endParaRPr lang="de-DE" dirty="0"/>
           </a:p>
@@ -5015,7 +5015,7 @@
           <a:p>
             <a:fld id="{44A7E5A3-D7CC-4AAD-80E3-4C6FBEA85C4F}" type="datetime1">
               <a:rPr lang="de-DE" smtClean="0"/>
-              <a:t>13.12.2016</a:t>
+              <a:t>14.12.2016</a:t>
             </a:fld>
             <a:endParaRPr lang="de-DE" dirty="0"/>
           </a:p>
@@ -5453,7 +5453,7 @@
           <a:p>
             <a:fld id="{5184B15D-1E9E-4488-B9B3-39A1AE09F13D}" type="datetime1">
               <a:rPr lang="de-DE" noProof="0" smtClean="0"/>
-              <a:t>13.12.2016</a:t>
+              <a:t>14.12.2016</a:t>
             </a:fld>
             <a:endParaRPr lang="de-DE" noProof="0" dirty="0"/>
           </a:p>
@@ -5571,7 +5571,7 @@
           <a:p>
             <a:fld id="{F5A8B78A-7CBF-4370-B41A-F062EF44AF85}" type="datetime1">
               <a:rPr lang="de-DE" smtClean="0"/>
-              <a:t>13.12.2016</a:t>
+              <a:t>14.12.2016</a:t>
             </a:fld>
             <a:endParaRPr lang="de-DE" dirty="0"/>
           </a:p>
@@ -5666,7 +5666,7 @@
           <a:p>
             <a:fld id="{277D9860-0E30-4046-99D9-BE43D9F07CE4}" type="datetime1">
               <a:rPr lang="de-DE" smtClean="0"/>
-              <a:t>13.12.2016</a:t>
+              <a:t>14.12.2016</a:t>
             </a:fld>
             <a:endParaRPr lang="de-DE" dirty="0"/>
           </a:p>
@@ -5945,7 +5945,7 @@
           <a:p>
             <a:fld id="{6DC421D4-7A8A-43A3-8878-AAE31F8CA865}" type="datetime1">
               <a:rPr lang="de-DE" smtClean="0"/>
-              <a:t>13.12.2016</a:t>
+              <a:t>14.12.2016</a:t>
             </a:fld>
             <a:endParaRPr lang="de-DE" dirty="0"/>
           </a:p>
@@ -6220,7 +6220,7 @@
           <a:p>
             <a:fld id="{2F1AD3C4-735E-460E-921E-769DE6EA1444}" type="datetime1">
               <a:rPr lang="de-DE" smtClean="0"/>
-              <a:t>13.12.2016</a:t>
+              <a:t>14.12.2016</a:t>
             </a:fld>
             <a:endParaRPr lang="de-DE" dirty="0"/>
           </a:p>
@@ -6831,7 +6831,7 @@
           <a:p>
             <a:fld id="{BF469DE6-3E3C-41A1-AD34-3EF56BAD5C13}" type="datetime1">
               <a:rPr lang="de-DE" noProof="0" smtClean="0"/>
-              <a:t>13.12.2016</a:t>
+              <a:t>14.12.2016</a:t>
             </a:fld>
             <a:endParaRPr lang="de-DE" noProof="0" dirty="0"/>
           </a:p>
@@ -9519,44 +9519,6 @@
       </p:grpSpPr>
       <p:sp>
         <p:nvSpPr>
-          <p:cNvPr id="2" name="Titel 1"/>
-          <p:cNvSpPr>
-            <a:spLocks noGrp="1"/>
-          </p:cNvSpPr>
-          <p:nvPr>
-            <p:ph type="title"/>
-          </p:nvPr>
-        </p:nvSpPr>
-        <p:spPr/>
-        <p:txBody>
-          <a:bodyPr/>
-          <a:lstStyle/>
-          <a:p>
-            <a:endParaRPr lang="de-AT"/>
-          </a:p>
-        </p:txBody>
-      </p:sp>
-      <p:sp>
-        <p:nvSpPr>
-          <p:cNvPr id="3" name="Inhaltsplatzhalter 2"/>
-          <p:cNvSpPr>
-            <a:spLocks noGrp="1"/>
-          </p:cNvSpPr>
-          <p:nvPr>
-            <p:ph idx="1"/>
-          </p:nvPr>
-        </p:nvSpPr>
-        <p:spPr/>
-        <p:txBody>
-          <a:bodyPr/>
-          <a:lstStyle/>
-          <a:p>
-            <a:endParaRPr lang="de-AT"/>
-          </a:p>
-        </p:txBody>
-      </p:sp>
-      <p:sp>
-        <p:nvSpPr>
           <p:cNvPr id="4" name="Foliennummernplatzhalter 3"/>
           <p:cNvSpPr>
             <a:spLocks noGrp="1"/>
@@ -9591,8 +9553,8 @@
         </p:blipFill>
         <p:spPr bwMode="auto">
           <a:xfrm>
-            <a:off x="2117725" y="536892"/>
-            <a:ext cx="7956550" cy="5784215"/>
+            <a:off x="485353" y="295729"/>
+            <a:ext cx="8651874" cy="6289698"/>
           </a:xfrm>
           <a:prstGeom prst="rect">
             <a:avLst/>
@@ -9639,44 +9601,6 @@
       </p:grpSpPr>
       <p:sp>
         <p:nvSpPr>
-          <p:cNvPr id="2" name="Titel 1"/>
-          <p:cNvSpPr>
-            <a:spLocks noGrp="1"/>
-          </p:cNvSpPr>
-          <p:nvPr>
-            <p:ph type="title"/>
-          </p:nvPr>
-        </p:nvSpPr>
-        <p:spPr/>
-        <p:txBody>
-          <a:bodyPr/>
-          <a:lstStyle/>
-          <a:p>
-            <a:endParaRPr lang="de-AT"/>
-          </a:p>
-        </p:txBody>
-      </p:sp>
-      <p:sp>
-        <p:nvSpPr>
-          <p:cNvPr id="3" name="Inhaltsplatzhalter 2"/>
-          <p:cNvSpPr>
-            <a:spLocks noGrp="1"/>
-          </p:cNvSpPr>
-          <p:nvPr>
-            <p:ph idx="1"/>
-          </p:nvPr>
-        </p:nvSpPr>
-        <p:spPr/>
-        <p:txBody>
-          <a:bodyPr/>
-          <a:lstStyle/>
-          <a:p>
-            <a:endParaRPr lang="de-AT"/>
-          </a:p>
-        </p:txBody>
-      </p:sp>
-      <p:sp>
-        <p:nvSpPr>
           <p:cNvPr id="4" name="Foliennummernplatzhalter 3"/>
           <p:cNvSpPr>
             <a:spLocks noGrp="1"/>
@@ -9711,8 +9635,8 @@
         </p:blipFill>
         <p:spPr bwMode="auto">
           <a:xfrm>
-            <a:off x="1895475" y="381952"/>
-            <a:ext cx="8401050" cy="6094095"/>
+            <a:off x="405341" y="295729"/>
+            <a:ext cx="8658954" cy="6281178"/>
           </a:xfrm>
           <a:prstGeom prst="rect">
             <a:avLst/>
